--- a/fordcs-docs/EDUp FORDCS-V1.0 Project-v2022.04/1-Presentation/EDUp FORDCS-V1.0 Software Development & Testing.v2022.04.pptx
+++ b/fordcs-docs/EDUp FORDCS-V1.0 Project-v2022.04/1-Presentation/EDUp FORDCS-V1.0 Software Development & Testing.v2022.04.pptx
@@ -217,7 +217,7 @@
           <a:p>
             <a:fld id="{B4D12570-A0B9-4CB7-BEF8-8FCF4E9147E8}" type="datetimeFigureOut">
               <a:rPr lang="en-US" smtClean="0"/>
-              <a:t>4/18/2022</a:t>
+              <a:t>4/19/2022</a:t>
             </a:fld>
             <a:endParaRPr lang="en-US"/>
           </a:p>
@@ -872,7 +872,7 @@
           <a:p>
             <a:fld id="{44545C9C-B697-4804-AB64-643E534EC228}" type="datetimeFigureOut">
               <a:rPr lang="en-US" smtClean="0"/>
-              <a:t>4/18/2022</a:t>
+              <a:t>4/19/2022</a:t>
             </a:fld>
             <a:endParaRPr lang="en-US"/>
           </a:p>
@@ -1070,7 +1070,7 @@
           <a:p>
             <a:fld id="{44545C9C-B697-4804-AB64-643E534EC228}" type="datetimeFigureOut">
               <a:rPr lang="en-US" smtClean="0"/>
-              <a:t>4/18/2022</a:t>
+              <a:t>4/19/2022</a:t>
             </a:fld>
             <a:endParaRPr lang="en-US"/>
           </a:p>
@@ -1278,7 +1278,7 @@
           <a:p>
             <a:fld id="{44545C9C-B697-4804-AB64-643E534EC228}" type="datetimeFigureOut">
               <a:rPr lang="en-US" smtClean="0"/>
-              <a:t>4/18/2022</a:t>
+              <a:t>4/19/2022</a:t>
             </a:fld>
             <a:endParaRPr lang="en-US"/>
           </a:p>
@@ -1476,7 +1476,7 @@
           <a:p>
             <a:fld id="{44545C9C-B697-4804-AB64-643E534EC228}" type="datetimeFigureOut">
               <a:rPr lang="en-US" smtClean="0"/>
-              <a:t>4/18/2022</a:t>
+              <a:t>4/19/2022</a:t>
             </a:fld>
             <a:endParaRPr lang="en-US"/>
           </a:p>
@@ -1751,7 +1751,7 @@
           <a:p>
             <a:fld id="{44545C9C-B697-4804-AB64-643E534EC228}" type="datetimeFigureOut">
               <a:rPr lang="en-US" smtClean="0"/>
-              <a:t>4/18/2022</a:t>
+              <a:t>4/19/2022</a:t>
             </a:fld>
             <a:endParaRPr lang="en-US"/>
           </a:p>
@@ -2016,7 +2016,7 @@
           <a:p>
             <a:fld id="{44545C9C-B697-4804-AB64-643E534EC228}" type="datetimeFigureOut">
               <a:rPr lang="en-US" smtClean="0"/>
-              <a:t>4/18/2022</a:t>
+              <a:t>4/19/2022</a:t>
             </a:fld>
             <a:endParaRPr lang="en-US"/>
           </a:p>
@@ -2428,7 +2428,7 @@
           <a:p>
             <a:fld id="{44545C9C-B697-4804-AB64-643E534EC228}" type="datetimeFigureOut">
               <a:rPr lang="en-US" smtClean="0"/>
-              <a:t>4/18/2022</a:t>
+              <a:t>4/19/2022</a:t>
             </a:fld>
             <a:endParaRPr lang="en-US"/>
           </a:p>
@@ -2569,7 +2569,7 @@
           <a:p>
             <a:fld id="{44545C9C-B697-4804-AB64-643E534EC228}" type="datetimeFigureOut">
               <a:rPr lang="en-US" smtClean="0"/>
-              <a:t>4/18/2022</a:t>
+              <a:t>4/19/2022</a:t>
             </a:fld>
             <a:endParaRPr lang="en-US"/>
           </a:p>
@@ -2682,7 +2682,7 @@
           <a:p>
             <a:fld id="{44545C9C-B697-4804-AB64-643E534EC228}" type="datetimeFigureOut">
               <a:rPr lang="en-US" smtClean="0"/>
-              <a:t>4/18/2022</a:t>
+              <a:t>4/19/2022</a:t>
             </a:fld>
             <a:endParaRPr lang="en-US"/>
           </a:p>
@@ -2993,7 +2993,7 @@
           <a:p>
             <a:fld id="{44545C9C-B697-4804-AB64-643E534EC228}" type="datetimeFigureOut">
               <a:rPr lang="en-US" smtClean="0"/>
-              <a:t>4/18/2022</a:t>
+              <a:t>4/19/2022</a:t>
             </a:fld>
             <a:endParaRPr lang="en-US"/>
           </a:p>
@@ -3281,7 +3281,7 @@
           <a:p>
             <a:fld id="{44545C9C-B697-4804-AB64-643E534EC228}" type="datetimeFigureOut">
               <a:rPr lang="en-US" smtClean="0"/>
-              <a:t>4/18/2022</a:t>
+              <a:t>4/19/2022</a:t>
             </a:fld>
             <a:endParaRPr lang="en-US"/>
           </a:p>
@@ -3522,7 +3522,7 @@
           <a:p>
             <a:fld id="{44545C9C-B697-4804-AB64-643E534EC228}" type="datetimeFigureOut">
               <a:rPr lang="en-US" smtClean="0"/>
-              <a:t>4/18/2022</a:t>
+              <a:t>4/19/2022</a:t>
             </a:fld>
             <a:endParaRPr lang="en-US"/>
           </a:p>
@@ -6532,7 +6532,7 @@
           <a:p>
             <a:r>
               <a:rPr lang="en-US" dirty="0"/>
-              <a:t>System Requirements</a:t>
+              <a:t>System Requirements - Overview</a:t>
             </a:r>
           </a:p>
         </p:txBody>
@@ -6560,13 +6560,19 @@
           <a:p>
             <a:r>
               <a:rPr lang="en-US" dirty="0"/>
-              <a:t>SREQ_1: The Actors should be authorized to involved in specific system interactions! </a:t>
+              <a:t>SREQ_1: All Use Cases should be described, implemented and tested. </a:t>
+            </a:r>
+          </a:p>
+          <a:p>
+            <a:r>
+              <a:rPr lang="en-US" dirty="0"/>
+              <a:t>SREQ_ 2: The Actors should be authorized to involved in specific system interactions! </a:t>
             </a:r>
             <a:r>
               <a:rPr lang="en-US" dirty="0">
                 <a:sym typeface="Wingdings" panose="05000000000000000000" pitchFamily="2" charset="2"/>
               </a:rPr>
-              <a:t> Service-based authorization should be given!</a:t>
+              <a:t> Role-based service authorization should be given!</a:t>
             </a:r>
           </a:p>
           <a:p>
@@ -6574,7 +6580,7 @@
               <a:rPr lang="en-US" dirty="0">
                 <a:sym typeface="Wingdings" panose="05000000000000000000" pitchFamily="2" charset="2"/>
               </a:rPr>
-              <a:t>SREQ_2: The service interfaces should be implemented as given (Swagger design)!</a:t>
+              <a:t>SREQ_3: The service interfaces should be implemented as given (Swagger design)!</a:t>
             </a:r>
           </a:p>
           <a:p>
@@ -6582,7 +6588,7 @@
               <a:rPr lang="en-US" dirty="0">
                 <a:sym typeface="Wingdings" panose="05000000000000000000" pitchFamily="2" charset="2"/>
               </a:rPr>
-              <a:t>SREQ_3: The system should catch any failure and time and handle it! </a:t>
+              <a:t>SREQ_4: The system should catch any failure and time and handle it! </a:t>
             </a:r>
           </a:p>
         </p:txBody>
@@ -8770,7 +8776,7 @@
             </a:pPr>
             <a:r>
               <a:rPr lang="en-US" sz="6000" dirty="0"/>
-              <a:t>System Requirements</a:t>
+              <a:t>Define System Requirements</a:t>
             </a:r>
             <a:endParaRPr lang="en-US" sz="8000" dirty="0">
               <a:effectLst>
